--- a/presentation/Apresentação de projeto - Minas Unidas.pptx
+++ b/presentation/Apresentação de projeto - Minas Unidas.pptx
@@ -15432,7 +15432,7 @@
             <a:tbl>
               <a:tblPr>
                 <a:noFill/>
-                <a:tableStyleId>{E90D044C-865C-4BAC-A956-F1F9EEB6F7F2}</a:tableStyleId>
+                <a:tableStyleId>{76A247D5-809C-4B70-8EA2-1315F1DB3F68}</a:tableStyleId>
               </a:tblPr>
               <a:tblGrid>
                 <a:gridCol w="2114225"/>
@@ -16466,7 +16466,7 @@
             <a:tbl>
               <a:tblPr>
                 <a:noFill/>
-                <a:tableStyleId>{E90D044C-865C-4BAC-A956-F1F9EEB6F7F2}</a:tableStyleId>
+                <a:tableStyleId>{76A247D5-809C-4B70-8EA2-1315F1DB3F68}</a:tableStyleId>
               </a:tblPr>
               <a:tblGrid>
                 <a:gridCol w="1189475"/>
@@ -17066,7 +17066,7 @@
             <a:tbl>
               <a:tblPr>
                 <a:noFill/>
-                <a:tableStyleId>{E90D044C-865C-4BAC-A956-F1F9EEB6F7F2}</a:tableStyleId>
+                <a:tableStyleId>{76A247D5-809C-4B70-8EA2-1315F1DB3F68}</a:tableStyleId>
               </a:tblPr>
               <a:tblGrid>
                 <a:gridCol w="1189475"/>
@@ -19066,8 +19066,8 @@
         </p:blipFill>
         <p:spPr>
           <a:xfrm>
-            <a:off x="2821700" y="334075"/>
-            <a:ext cx="5759100" cy="4536800"/>
+            <a:off x="2308700" y="173525"/>
+            <a:ext cx="6761699" cy="4839450"/>
           </a:xfrm>
           <a:prstGeom prst="rect">
             <a:avLst/>
